--- a/docs/deployment_guide/images/architecture_diagram.pptx
+++ b/docs/deployment_guide/images/architecture_diagram.pptx
@@ -104,6 +104,11 @@
       </a:defRPr>
     </a:lvl9pPr>
   </p:defaultTextStyle>
+  <p:extLst>
+    <p:ext uri="{EFAFB233-063F-42B5-8137-9DF3F51BA10A}">
+      <p15:sldGuideLst xmlns:p15="http://schemas.microsoft.com/office/powerpoint/2012/main"/>
+    </p:ext>
+  </p:extLst>
 </p:presentation>
 </file>
 
@@ -2966,75 +2971,6 @@
           <a:chExt cx="0" cy="0"/>
         </a:xfrm>
       </p:grpSpPr>
-      <p:sp>
-        <p:nvSpPr>
-          <p:cNvPr id="4" name="Rectangle 3">
-            <a:extLst>
-              <a:ext uri="{FF2B5EF4-FFF2-40B4-BE49-F238E27FC236}">
-                <a16:creationId xmlns:a16="http://schemas.microsoft.com/office/drawing/2014/main" id="{E6491449-0A40-4A21-8559-B54834772204}"/>
-              </a:ext>
-            </a:extLst>
-          </p:cNvPr>
-          <p:cNvSpPr/>
-          <p:nvPr/>
-        </p:nvSpPr>
-        <p:spPr>
-          <a:xfrm>
-            <a:off x="3213463" y="1463039"/>
-            <a:ext cx="7815782" cy="6890740"/>
-          </a:xfrm>
-          <a:prstGeom prst="rect">
-            <a:avLst/>
-          </a:prstGeom>
-          <a:noFill/>
-          <a:ln w="12700">
-            <a:solidFill>
-              <a:schemeClr val="tx1"/>
-            </a:solidFill>
-          </a:ln>
-        </p:spPr>
-        <p:style>
-          <a:lnRef idx="2">
-            <a:schemeClr val="accent1">
-              <a:shade val="50000"/>
-            </a:schemeClr>
-          </a:lnRef>
-          <a:fillRef idx="1">
-            <a:schemeClr val="accent1"/>
-          </a:fillRef>
-          <a:effectRef idx="0">
-            <a:schemeClr val="accent1"/>
-          </a:effectRef>
-          <a:fontRef idx="minor">
-            <a:schemeClr val="lt1"/>
-          </a:fontRef>
-        </p:style>
-        <p:txBody>
-          <a:bodyPr lIns="502920" tIns="91440"/>
-          <a:lstStyle/>
-          <a:p>
-            <a:pPr eaLnBrk="1" fontAlgn="auto" hangingPunct="1">
-              <a:spcBef>
-                <a:spcPts val="0"/>
-              </a:spcBef>
-              <a:spcAft>
-                <a:spcPts val="0"/>
-              </a:spcAft>
-              <a:defRPr/>
-            </a:pPr>
-            <a:r>
-              <a:rPr lang="en-US" sz="1200" dirty="0">
-                <a:solidFill>
-                  <a:sysClr val="windowText" lastClr="000000"/>
-                </a:solidFill>
-                <a:latin typeface="Arial" panose="020B0604020202020204" pitchFamily="34" charset="0"/>
-                <a:cs typeface="Arial" panose="020B0604020202020204" pitchFamily="34" charset="0"/>
-              </a:rPr>
-              <a:t>AWS Cloud</a:t>
-            </a:r>
-          </a:p>
-        </p:txBody>
-      </p:sp>
       <p:pic>
         <p:nvPicPr>
           <p:cNvPr id="5" name="Graphic 4">
@@ -3140,42 +3076,6 @@
           </a:p>
         </p:txBody>
       </p:sp>
-      <p:pic>
-        <p:nvPicPr>
-          <p:cNvPr id="7" name="Graphic 6">
-            <a:extLst>
-              <a:ext uri="{FF2B5EF4-FFF2-40B4-BE49-F238E27FC236}">
-                <a16:creationId xmlns:a16="http://schemas.microsoft.com/office/drawing/2014/main" id="{32CD4BB2-A19A-430C-B345-049BF08C10F1}"/>
-              </a:ext>
-            </a:extLst>
-          </p:cNvPr>
-          <p:cNvPicPr>
-            <a:picLocks noChangeAspect="1"/>
-          </p:cNvPicPr>
-          <p:nvPr/>
-        </p:nvPicPr>
-        <p:blipFill>
-          <a:blip r:embed="rId4">
-            <a:extLst>
-              <a:ext uri="{96DAC541-7B7A-43D3-8B79-37D633B846F1}">
-                <asvg:svgBlip xmlns:asvg="http://schemas.microsoft.com/office/drawing/2016/SVG/main" r:embed="rId5"/>
-              </a:ext>
-            </a:extLst>
-          </a:blip>
-          <a:stretch>
-            <a:fillRect/>
-          </a:stretch>
-        </p:blipFill>
-        <p:spPr>
-          <a:xfrm>
-            <a:off x="3441643" y="2168434"/>
-            <a:ext cx="381000" cy="381000"/>
-          </a:xfrm>
-          <a:prstGeom prst="rect">
-            <a:avLst/>
-          </a:prstGeom>
-        </p:spPr>
-      </p:pic>
       <p:sp>
         <p:nvSpPr>
           <p:cNvPr id="8" name="Rectangle 7">
@@ -3333,10 +3233,10 @@
           <p:nvPr/>
         </p:nvPicPr>
         <p:blipFill>
-          <a:blip r:embed="rId6">
+          <a:blip r:embed="rId4">
             <a:extLst>
               <a:ext uri="{96DAC541-7B7A-43D3-8B79-37D633B846F1}">
-                <asvg:svgBlip xmlns:asvg="http://schemas.microsoft.com/office/drawing/2016/SVG/main" r:embed="rId7"/>
+                <asvg:svgBlip xmlns:asvg="http://schemas.microsoft.com/office/drawing/2016/SVG/main" r:embed="rId5"/>
               </a:ext>
             </a:extLst>
           </a:blip>
@@ -3511,10 +3411,10 @@
           <p:nvPr/>
         </p:nvPicPr>
         <p:blipFill>
-          <a:blip r:embed="rId6">
+          <a:blip r:embed="rId4">
             <a:extLst>
               <a:ext uri="{96DAC541-7B7A-43D3-8B79-37D633B846F1}">
-                <asvg:svgBlip xmlns:asvg="http://schemas.microsoft.com/office/drawing/2016/SVG/main" r:embed="rId7"/>
+                <asvg:svgBlip xmlns:asvg="http://schemas.microsoft.com/office/drawing/2016/SVG/main" r:embed="rId5"/>
               </a:ext>
             </a:extLst>
           </a:blip>
@@ -3547,7 +3447,7 @@
           <p:nvPr/>
         </p:nvPicPr>
         <p:blipFill>
-          <a:blip r:embed="rId8">
+          <a:blip r:embed="rId6">
             <a:extLst>
               <a:ext uri="{28A0092B-C50C-407E-A947-70E740481C1C}">
                 <a14:useLocalDpi xmlns:a14="http://schemas.microsoft.com/office/drawing/2010/main" val="0"/>
@@ -3768,7 +3668,8 @@
           <p:nvPr/>
         </p:nvPicPr>
         <p:blipFill>
-          <a:blip r:embed="rId8">
+          <a:blip r:embed="rId6">
+            <a:alphaModFix amt="50000"/>
             <a:extLst>
               <a:ext uri="{28A0092B-C50C-407E-A947-70E740481C1C}">
                 <a14:useLocalDpi xmlns:a14="http://schemas.microsoft.com/office/drawing/2010/main" val="0"/>
@@ -4095,10 +3996,10 @@
           <p:nvPr/>
         </p:nvPicPr>
         <p:blipFill>
-          <a:blip r:embed="rId9">
+          <a:blip r:embed="rId7">
             <a:extLst>
               <a:ext uri="{96DAC541-7B7A-43D3-8B79-37D633B846F1}">
-                <asvg:svgBlip xmlns:asvg="http://schemas.microsoft.com/office/drawing/2016/SVG/main" r:embed="rId10"/>
+                <asvg:svgBlip xmlns:asvg="http://schemas.microsoft.com/office/drawing/2016/SVG/main" r:embed="rId8"/>
               </a:ext>
             </a:extLst>
           </a:blip>
@@ -4203,10 +4104,10 @@
           <p:nvPr/>
         </p:nvPicPr>
         <p:blipFill>
-          <a:blip r:embed="rId11">
+          <a:blip r:embed="rId9">
             <a:extLst>
               <a:ext uri="{96DAC541-7B7A-43D3-8B79-37D633B846F1}">
-                <asvg:svgBlip xmlns:asvg="http://schemas.microsoft.com/office/drawing/2016/SVG/main" r:embed="rId12"/>
+                <asvg:svgBlip xmlns:asvg="http://schemas.microsoft.com/office/drawing/2016/SVG/main" r:embed="rId10"/>
               </a:ext>
             </a:extLst>
           </a:blip>
@@ -4311,10 +4212,10 @@
           <p:nvPr/>
         </p:nvPicPr>
         <p:blipFill>
-          <a:blip r:embed="rId11">
+          <a:blip r:embed="rId9">
             <a:extLst>
               <a:ext uri="{96DAC541-7B7A-43D3-8B79-37D633B846F1}">
-                <asvg:svgBlip xmlns:asvg="http://schemas.microsoft.com/office/drawing/2016/SVG/main" r:embed="rId12"/>
+                <asvg:svgBlip xmlns:asvg="http://schemas.microsoft.com/office/drawing/2016/SVG/main" r:embed="rId10"/>
               </a:ext>
             </a:extLst>
           </a:blip>
@@ -4417,7 +4318,7 @@
           <p:nvPr/>
         </p:nvPicPr>
         <p:blipFill>
-          <a:blip r:embed="rId13">
+          <a:blip r:embed="rId11">
             <a:extLst>
               <a:ext uri="{28A0092B-C50C-407E-A947-70E740481C1C}">
                 <a14:useLocalDpi xmlns:a14="http://schemas.microsoft.com/office/drawing/2010/main" val="0"/>
@@ -4477,7 +4378,7 @@
           <p:nvPr/>
         </p:nvPicPr>
         <p:blipFill>
-          <a:blip r:embed="rId14">
+          <a:blip r:embed="rId12">
             <a:extLst>
               <a:ext uri="{28A0092B-C50C-407E-A947-70E740481C1C}">
                 <a14:useLocalDpi xmlns:a14="http://schemas.microsoft.com/office/drawing/2010/main" val="0"/>
@@ -4537,7 +4438,7 @@
           <p:nvPr/>
         </p:nvPicPr>
         <p:blipFill>
-          <a:blip r:embed="rId14">
+          <a:blip r:embed="rId12">
             <a:extLst>
               <a:ext uri="{28A0092B-C50C-407E-A947-70E740481C1C}">
                 <a14:useLocalDpi xmlns:a14="http://schemas.microsoft.com/office/drawing/2010/main" val="0"/>
@@ -4758,7 +4659,7 @@
           <p:nvPr/>
         </p:nvPicPr>
         <p:blipFill>
-          <a:blip r:embed="rId15">
+          <a:blip r:embed="rId13">
             <a:extLst>
               <a:ext uri="{28A0092B-C50C-407E-A947-70E740481C1C}">
                 <a14:useLocalDpi xmlns:a14="http://schemas.microsoft.com/office/drawing/2010/main" val="0"/>
@@ -4979,7 +4880,7 @@
           <p:nvPr/>
         </p:nvPicPr>
         <p:blipFill>
-          <a:blip r:embed="rId15">
+          <a:blip r:embed="rId13">
             <a:extLst>
               <a:ext uri="{28A0092B-C50C-407E-A947-70E740481C1C}">
                 <a14:useLocalDpi xmlns:a14="http://schemas.microsoft.com/office/drawing/2010/main" val="0"/>
@@ -5503,6 +5404,774 @@
                 <a:cs typeface="Arial" panose="020B0604020202020204" pitchFamily="34" charset="0"/>
               </a:rPr>
               <a:t>Read replica</a:t>
+            </a:r>
+          </a:p>
+        </p:txBody>
+      </p:sp>
+      <p:pic>
+        <p:nvPicPr>
+          <p:cNvPr id="7" name="Graphic 6">
+            <a:extLst>
+              <a:ext uri="{FF2B5EF4-FFF2-40B4-BE49-F238E27FC236}">
+                <a16:creationId xmlns:a16="http://schemas.microsoft.com/office/drawing/2014/main" id="{32CD4BB2-A19A-430C-B345-049BF08C10F1}"/>
+              </a:ext>
+            </a:extLst>
+          </p:cNvPr>
+          <p:cNvPicPr>
+            <a:picLocks noChangeAspect="1"/>
+          </p:cNvPicPr>
+          <p:nvPr/>
+        </p:nvPicPr>
+        <p:blipFill>
+          <a:blip r:embed="rId14">
+            <a:extLst>
+              <a:ext uri="{96DAC541-7B7A-43D3-8B79-37D633B846F1}">
+                <asvg:svgBlip xmlns:asvg="http://schemas.microsoft.com/office/drawing/2016/SVG/main" r:embed="rId15"/>
+              </a:ext>
+            </a:extLst>
+          </a:blip>
+          <a:stretch>
+            <a:fillRect/>
+          </a:stretch>
+        </p:blipFill>
+        <p:spPr>
+          <a:xfrm>
+            <a:off x="3418020" y="2168433"/>
+            <a:ext cx="381000" cy="381000"/>
+          </a:xfrm>
+          <a:prstGeom prst="rect">
+            <a:avLst/>
+          </a:prstGeom>
+        </p:spPr>
+      </p:pic>
+      <p:sp>
+        <p:nvSpPr>
+          <p:cNvPr id="34" name="Rectangle 33">
+            <a:extLst>
+              <a:ext uri="{FF2B5EF4-FFF2-40B4-BE49-F238E27FC236}">
+                <a16:creationId xmlns:a16="http://schemas.microsoft.com/office/drawing/2014/main" id="{F7474234-70D2-4274-9C01-81060EF613DE}"/>
+              </a:ext>
+            </a:extLst>
+          </p:cNvPr>
+          <p:cNvSpPr/>
+          <p:nvPr/>
+        </p:nvSpPr>
+        <p:spPr>
+          <a:xfrm>
+            <a:off x="3213462" y="1463039"/>
+            <a:ext cx="9283317" cy="6890740"/>
+          </a:xfrm>
+          <a:prstGeom prst="rect">
+            <a:avLst/>
+          </a:prstGeom>
+          <a:noFill/>
+          <a:ln w="12700">
+            <a:solidFill>
+              <a:schemeClr val="tx1"/>
+            </a:solidFill>
+          </a:ln>
+        </p:spPr>
+        <p:style>
+          <a:lnRef idx="2">
+            <a:schemeClr val="accent1">
+              <a:shade val="50000"/>
+            </a:schemeClr>
+          </a:lnRef>
+          <a:fillRef idx="1">
+            <a:schemeClr val="accent1"/>
+          </a:fillRef>
+          <a:effectRef idx="0">
+            <a:schemeClr val="accent1"/>
+          </a:effectRef>
+          <a:fontRef idx="minor">
+            <a:schemeClr val="lt1"/>
+          </a:fontRef>
+        </p:style>
+        <p:txBody>
+          <a:bodyPr lIns="502920" tIns="91440"/>
+          <a:lstStyle/>
+          <a:p>
+            <a:pPr eaLnBrk="1" fontAlgn="auto" hangingPunct="1">
+              <a:spcBef>
+                <a:spcPts val="0"/>
+              </a:spcBef>
+              <a:spcAft>
+                <a:spcPts val="0"/>
+              </a:spcAft>
+              <a:defRPr/>
+            </a:pPr>
+            <a:r>
+              <a:rPr lang="en-US" sz="1200" dirty="0">
+                <a:solidFill>
+                  <a:sysClr val="windowText" lastClr="000000"/>
+                </a:solidFill>
+                <a:latin typeface="Arial" panose="020B0604020202020204" pitchFamily="34" charset="0"/>
+                <a:cs typeface="Arial" panose="020B0604020202020204" pitchFamily="34" charset="0"/>
+              </a:rPr>
+              <a:t>AWS Cloud</a:t>
+            </a:r>
+          </a:p>
+        </p:txBody>
+      </p:sp>
+      <p:pic>
+        <p:nvPicPr>
+          <p:cNvPr id="36" name="Graphic 17">
+            <a:extLst>
+              <a:ext uri="{FF2B5EF4-FFF2-40B4-BE49-F238E27FC236}">
+                <a16:creationId xmlns:a16="http://schemas.microsoft.com/office/drawing/2014/main" id="{3E0585AD-DF5D-42C8-9E05-839758CF059A}"/>
+              </a:ext>
+            </a:extLst>
+          </p:cNvPr>
+          <p:cNvPicPr>
+            <a:picLocks noChangeAspect="1" noChangeArrowheads="1"/>
+          </p:cNvPicPr>
+          <p:nvPr/>
+        </p:nvPicPr>
+        <p:blipFill>
+          <a:blip r:embed="rId16">
+            <a:extLst>
+              <a:ext uri="{28A0092B-C50C-407E-A947-70E740481C1C}">
+                <a14:useLocalDpi xmlns:a14="http://schemas.microsoft.com/office/drawing/2010/main" val="0"/>
+              </a:ext>
+            </a:extLst>
+          </a:blip>
+          <a:srcRect/>
+          <a:stretch>
+            <a:fillRect/>
+          </a:stretch>
+        </p:blipFill>
+        <p:spPr bwMode="auto">
+          <a:xfrm>
+            <a:off x="11244505" y="2638759"/>
+            <a:ext cx="762000" cy="762000"/>
+          </a:xfrm>
+          <a:prstGeom prst="rect">
+            <a:avLst/>
+          </a:prstGeom>
+          <a:noFill/>
+          <a:ln>
+            <a:noFill/>
+          </a:ln>
+          <a:extLst>
+            <a:ext uri="{909E8E84-426E-40DD-AFC4-6F175D3DCCD1}">
+              <a14:hiddenFill xmlns:a14="http://schemas.microsoft.com/office/drawing/2010/main">
+                <a:solidFill>
+                  <a:srgbClr val="FFFFFF"/>
+                </a:solidFill>
+              </a14:hiddenFill>
+            </a:ext>
+            <a:ext uri="{91240B29-F687-4F45-9708-019B960494DF}">
+              <a14:hiddenLine xmlns:a14="http://schemas.microsoft.com/office/drawing/2010/main" w="9525">
+                <a:solidFill>
+                  <a:srgbClr val="000000"/>
+                </a:solidFill>
+                <a:miter lim="800000"/>
+                <a:headEnd/>
+                <a:tailEnd/>
+              </a14:hiddenLine>
+            </a:ext>
+          </a:extLst>
+        </p:spPr>
+      </p:pic>
+      <p:sp>
+        <p:nvSpPr>
+          <p:cNvPr id="38" name="TextBox 9">
+            <a:extLst>
+              <a:ext uri="{FF2B5EF4-FFF2-40B4-BE49-F238E27FC236}">
+                <a16:creationId xmlns:a16="http://schemas.microsoft.com/office/drawing/2014/main" id="{E8247337-1EF6-479B-885D-2B8DCB5D5EBE}"/>
+              </a:ext>
+            </a:extLst>
+          </p:cNvPr>
+          <p:cNvSpPr txBox="1">
+            <a:spLocks noChangeArrowheads="1"/>
+          </p:cNvSpPr>
+          <p:nvPr/>
+        </p:nvSpPr>
+        <p:spPr bwMode="auto">
+          <a:xfrm>
+            <a:off x="10764784" y="4606005"/>
+            <a:ext cx="1726404" cy="276999"/>
+          </a:xfrm>
+          <a:prstGeom prst="rect">
+            <a:avLst/>
+          </a:prstGeom>
+          <a:noFill/>
+          <a:ln>
+            <a:noFill/>
+          </a:ln>
+          <a:extLst>
+            <a:ext uri="{909E8E84-426E-40DD-AFC4-6F175D3DCCD1}">
+              <a14:hiddenFill xmlns:a14="http://schemas.microsoft.com/office/drawing/2010/main">
+                <a:solidFill>
+                  <a:srgbClr val="FFFFFF"/>
+                </a:solidFill>
+              </a14:hiddenFill>
+            </a:ext>
+            <a:ext uri="{91240B29-F687-4F45-9708-019B960494DF}">
+              <a14:hiddenLine xmlns:a14="http://schemas.microsoft.com/office/drawing/2010/main" w="9525">
+                <a:solidFill>
+                  <a:srgbClr val="000000"/>
+                </a:solidFill>
+                <a:miter lim="800000"/>
+                <a:headEnd/>
+                <a:tailEnd/>
+              </a14:hiddenLine>
+            </a:ext>
+          </a:extLst>
+        </p:spPr>
+        <p:txBody>
+          <a:bodyPr wrap="square">
+            <a:spAutoFit/>
+          </a:bodyPr>
+          <a:lstStyle>
+            <a:lvl1pPr>
+              <a:defRPr>
+                <a:solidFill>
+                  <a:schemeClr val="tx1"/>
+                </a:solidFill>
+                <a:latin typeface="Calibri" panose="020F0502020204030204" pitchFamily="34" charset="0"/>
+              </a:defRPr>
+            </a:lvl1pPr>
+            <a:lvl2pPr marL="742950" indent="-285750">
+              <a:defRPr>
+                <a:solidFill>
+                  <a:schemeClr val="tx1"/>
+                </a:solidFill>
+                <a:latin typeface="Calibri" panose="020F0502020204030204" pitchFamily="34" charset="0"/>
+              </a:defRPr>
+            </a:lvl2pPr>
+            <a:lvl3pPr marL="1143000" indent="-228600">
+              <a:defRPr>
+                <a:solidFill>
+                  <a:schemeClr val="tx1"/>
+                </a:solidFill>
+                <a:latin typeface="Calibri" panose="020F0502020204030204" pitchFamily="34" charset="0"/>
+              </a:defRPr>
+            </a:lvl3pPr>
+            <a:lvl4pPr marL="1600200" indent="-228600">
+              <a:defRPr>
+                <a:solidFill>
+                  <a:schemeClr val="tx1"/>
+                </a:solidFill>
+                <a:latin typeface="Calibri" panose="020F0502020204030204" pitchFamily="34" charset="0"/>
+              </a:defRPr>
+            </a:lvl4pPr>
+            <a:lvl5pPr marL="2057400" indent="-228600">
+              <a:defRPr>
+                <a:solidFill>
+                  <a:schemeClr val="tx1"/>
+                </a:solidFill>
+                <a:latin typeface="Calibri" panose="020F0502020204030204" pitchFamily="34" charset="0"/>
+              </a:defRPr>
+            </a:lvl5pPr>
+            <a:lvl6pPr marL="2514600" indent="-228600" eaLnBrk="0" fontAlgn="base" hangingPunct="0">
+              <a:spcBef>
+                <a:spcPct val="0"/>
+              </a:spcBef>
+              <a:spcAft>
+                <a:spcPct val="0"/>
+              </a:spcAft>
+              <a:defRPr>
+                <a:solidFill>
+                  <a:schemeClr val="tx1"/>
+                </a:solidFill>
+                <a:latin typeface="Calibri" panose="020F0502020204030204" pitchFamily="34" charset="0"/>
+              </a:defRPr>
+            </a:lvl6pPr>
+            <a:lvl7pPr marL="2971800" indent="-228600" eaLnBrk="0" fontAlgn="base" hangingPunct="0">
+              <a:spcBef>
+                <a:spcPct val="0"/>
+              </a:spcBef>
+              <a:spcAft>
+                <a:spcPct val="0"/>
+              </a:spcAft>
+              <a:defRPr>
+                <a:solidFill>
+                  <a:schemeClr val="tx1"/>
+                </a:solidFill>
+                <a:latin typeface="Calibri" panose="020F0502020204030204" pitchFamily="34" charset="0"/>
+              </a:defRPr>
+            </a:lvl7pPr>
+            <a:lvl8pPr marL="3429000" indent="-228600" eaLnBrk="0" fontAlgn="base" hangingPunct="0">
+              <a:spcBef>
+                <a:spcPct val="0"/>
+              </a:spcBef>
+              <a:spcAft>
+                <a:spcPct val="0"/>
+              </a:spcAft>
+              <a:defRPr>
+                <a:solidFill>
+                  <a:schemeClr val="tx1"/>
+                </a:solidFill>
+                <a:latin typeface="Calibri" panose="020F0502020204030204" pitchFamily="34" charset="0"/>
+              </a:defRPr>
+            </a:lvl8pPr>
+            <a:lvl9pPr marL="3886200" indent="-228600" eaLnBrk="0" fontAlgn="base" hangingPunct="0">
+              <a:spcBef>
+                <a:spcPct val="0"/>
+              </a:spcBef>
+              <a:spcAft>
+                <a:spcPct val="0"/>
+              </a:spcAft>
+              <a:defRPr>
+                <a:solidFill>
+                  <a:schemeClr val="tx1"/>
+                </a:solidFill>
+                <a:latin typeface="Calibri" panose="020F0502020204030204" pitchFamily="34" charset="0"/>
+              </a:defRPr>
+            </a:lvl9pPr>
+          </a:lstStyle>
+          <a:p>
+            <a:pPr algn="ctr" eaLnBrk="1" hangingPunct="1"/>
+            <a:r>
+              <a:rPr lang="en-US" altLang="en-US" sz="1200" dirty="0">
+                <a:latin typeface="Arial" panose="020B0604020202020204" pitchFamily="34" charset="0"/>
+                <a:ea typeface="Amazon Ember" panose="020B0603020204020204" pitchFamily="34" charset="0"/>
+                <a:cs typeface="Arial" panose="020B0604020202020204" pitchFamily="34" charset="0"/>
+              </a:rPr>
+              <a:t>Amazon SNS</a:t>
+            </a:r>
+          </a:p>
+        </p:txBody>
+      </p:sp>
+      <p:pic>
+        <p:nvPicPr>
+          <p:cNvPr id="39" name="Graphic 24">
+            <a:extLst>
+              <a:ext uri="{FF2B5EF4-FFF2-40B4-BE49-F238E27FC236}">
+                <a16:creationId xmlns:a16="http://schemas.microsoft.com/office/drawing/2014/main" id="{399475A3-E9FD-4BA9-847C-4AC9247FF003}"/>
+              </a:ext>
+            </a:extLst>
+          </p:cNvPr>
+          <p:cNvPicPr>
+            <a:picLocks noChangeAspect="1" noChangeArrowheads="1"/>
+          </p:cNvPicPr>
+          <p:nvPr/>
+        </p:nvPicPr>
+        <p:blipFill>
+          <a:blip r:embed="rId17">
+            <a:extLst>
+              <a:ext uri="{28A0092B-C50C-407E-A947-70E740481C1C}">
+                <a14:useLocalDpi xmlns:a14="http://schemas.microsoft.com/office/drawing/2010/main" val="0"/>
+              </a:ext>
+            </a:extLst>
+          </a:blip>
+          <a:srcRect/>
+          <a:stretch>
+            <a:fillRect/>
+          </a:stretch>
+        </p:blipFill>
+        <p:spPr bwMode="auto">
+          <a:xfrm>
+            <a:off x="11244505" y="3840476"/>
+            <a:ext cx="762000" cy="762000"/>
+          </a:xfrm>
+          <a:prstGeom prst="rect">
+            <a:avLst/>
+          </a:prstGeom>
+          <a:noFill/>
+          <a:ln>
+            <a:noFill/>
+          </a:ln>
+          <a:extLst>
+            <a:ext uri="{909E8E84-426E-40DD-AFC4-6F175D3DCCD1}">
+              <a14:hiddenFill xmlns:a14="http://schemas.microsoft.com/office/drawing/2010/main">
+                <a:solidFill>
+                  <a:srgbClr val="FFFFFF"/>
+                </a:solidFill>
+              </a14:hiddenFill>
+            </a:ext>
+            <a:ext uri="{91240B29-F687-4F45-9708-019B960494DF}">
+              <a14:hiddenLine xmlns:a14="http://schemas.microsoft.com/office/drawing/2010/main" w="9525">
+                <a:solidFill>
+                  <a:srgbClr val="000000"/>
+                </a:solidFill>
+                <a:miter lim="800000"/>
+                <a:headEnd/>
+                <a:tailEnd/>
+              </a14:hiddenLine>
+            </a:ext>
+          </a:extLst>
+        </p:spPr>
+      </p:pic>
+      <p:sp>
+        <p:nvSpPr>
+          <p:cNvPr id="40" name="TextBox 9">
+            <a:extLst>
+              <a:ext uri="{FF2B5EF4-FFF2-40B4-BE49-F238E27FC236}">
+                <a16:creationId xmlns:a16="http://schemas.microsoft.com/office/drawing/2014/main" id="{2ECF88F5-5C9F-4DCF-B3A6-3FA63F530085}"/>
+              </a:ext>
+            </a:extLst>
+          </p:cNvPr>
+          <p:cNvSpPr txBox="1">
+            <a:spLocks noChangeArrowheads="1"/>
+          </p:cNvSpPr>
+          <p:nvPr/>
+        </p:nvSpPr>
+        <p:spPr bwMode="auto">
+          <a:xfrm>
+            <a:off x="10774563" y="3395495"/>
+            <a:ext cx="1716626" cy="276999"/>
+          </a:xfrm>
+          <a:prstGeom prst="rect">
+            <a:avLst/>
+          </a:prstGeom>
+          <a:noFill/>
+          <a:ln>
+            <a:noFill/>
+          </a:ln>
+          <a:extLst>
+            <a:ext uri="{909E8E84-426E-40DD-AFC4-6F175D3DCCD1}">
+              <a14:hiddenFill xmlns:a14="http://schemas.microsoft.com/office/drawing/2010/main">
+                <a:solidFill>
+                  <a:srgbClr val="FFFFFF"/>
+                </a:solidFill>
+              </a14:hiddenFill>
+            </a:ext>
+            <a:ext uri="{91240B29-F687-4F45-9708-019B960494DF}">
+              <a14:hiddenLine xmlns:a14="http://schemas.microsoft.com/office/drawing/2010/main" w="9525">
+                <a:solidFill>
+                  <a:srgbClr val="000000"/>
+                </a:solidFill>
+                <a:miter lim="800000"/>
+                <a:headEnd/>
+                <a:tailEnd/>
+              </a14:hiddenLine>
+            </a:ext>
+          </a:extLst>
+        </p:spPr>
+        <p:txBody>
+          <a:bodyPr wrap="square">
+            <a:spAutoFit/>
+          </a:bodyPr>
+          <a:lstStyle>
+            <a:lvl1pPr>
+              <a:defRPr>
+                <a:solidFill>
+                  <a:schemeClr val="tx1"/>
+                </a:solidFill>
+                <a:latin typeface="Calibri" panose="020F0502020204030204" pitchFamily="34" charset="0"/>
+              </a:defRPr>
+            </a:lvl1pPr>
+            <a:lvl2pPr marL="742950" indent="-285750">
+              <a:defRPr>
+                <a:solidFill>
+                  <a:schemeClr val="tx1"/>
+                </a:solidFill>
+                <a:latin typeface="Calibri" panose="020F0502020204030204" pitchFamily="34" charset="0"/>
+              </a:defRPr>
+            </a:lvl2pPr>
+            <a:lvl3pPr marL="1143000" indent="-228600">
+              <a:defRPr>
+                <a:solidFill>
+                  <a:schemeClr val="tx1"/>
+                </a:solidFill>
+                <a:latin typeface="Calibri" panose="020F0502020204030204" pitchFamily="34" charset="0"/>
+              </a:defRPr>
+            </a:lvl3pPr>
+            <a:lvl4pPr marL="1600200" indent="-228600">
+              <a:defRPr>
+                <a:solidFill>
+                  <a:schemeClr val="tx1"/>
+                </a:solidFill>
+                <a:latin typeface="Calibri" panose="020F0502020204030204" pitchFamily="34" charset="0"/>
+              </a:defRPr>
+            </a:lvl4pPr>
+            <a:lvl5pPr marL="2057400" indent="-228600">
+              <a:defRPr>
+                <a:solidFill>
+                  <a:schemeClr val="tx1"/>
+                </a:solidFill>
+                <a:latin typeface="Calibri" panose="020F0502020204030204" pitchFamily="34" charset="0"/>
+              </a:defRPr>
+            </a:lvl5pPr>
+            <a:lvl6pPr marL="2514600" indent="-228600" eaLnBrk="0" fontAlgn="base" hangingPunct="0">
+              <a:spcBef>
+                <a:spcPct val="0"/>
+              </a:spcBef>
+              <a:spcAft>
+                <a:spcPct val="0"/>
+              </a:spcAft>
+              <a:defRPr>
+                <a:solidFill>
+                  <a:schemeClr val="tx1"/>
+                </a:solidFill>
+                <a:latin typeface="Calibri" panose="020F0502020204030204" pitchFamily="34" charset="0"/>
+              </a:defRPr>
+            </a:lvl6pPr>
+            <a:lvl7pPr marL="2971800" indent="-228600" eaLnBrk="0" fontAlgn="base" hangingPunct="0">
+              <a:spcBef>
+                <a:spcPct val="0"/>
+              </a:spcBef>
+              <a:spcAft>
+                <a:spcPct val="0"/>
+              </a:spcAft>
+              <a:defRPr>
+                <a:solidFill>
+                  <a:schemeClr val="tx1"/>
+                </a:solidFill>
+                <a:latin typeface="Calibri" panose="020F0502020204030204" pitchFamily="34" charset="0"/>
+              </a:defRPr>
+            </a:lvl7pPr>
+            <a:lvl8pPr marL="3429000" indent="-228600" eaLnBrk="0" fontAlgn="base" hangingPunct="0">
+              <a:spcBef>
+                <a:spcPct val="0"/>
+              </a:spcBef>
+              <a:spcAft>
+                <a:spcPct val="0"/>
+              </a:spcAft>
+              <a:defRPr>
+                <a:solidFill>
+                  <a:schemeClr val="tx1"/>
+                </a:solidFill>
+                <a:latin typeface="Calibri" panose="020F0502020204030204" pitchFamily="34" charset="0"/>
+              </a:defRPr>
+            </a:lvl8pPr>
+            <a:lvl9pPr marL="3886200" indent="-228600" eaLnBrk="0" fontAlgn="base" hangingPunct="0">
+              <a:spcBef>
+                <a:spcPct val="0"/>
+              </a:spcBef>
+              <a:spcAft>
+                <a:spcPct val="0"/>
+              </a:spcAft>
+              <a:defRPr>
+                <a:solidFill>
+                  <a:schemeClr val="tx1"/>
+                </a:solidFill>
+                <a:latin typeface="Calibri" panose="020F0502020204030204" pitchFamily="34" charset="0"/>
+              </a:defRPr>
+            </a:lvl9pPr>
+          </a:lstStyle>
+          <a:p>
+            <a:pPr algn="ctr"/>
+            <a:r>
+              <a:rPr lang="en-US" altLang="en-US" sz="1200" dirty="0">
+                <a:latin typeface="Arial" panose="020B0604020202020204" pitchFamily="34" charset="0"/>
+                <a:ea typeface="Amazon Ember" panose="020B0603020204020204" pitchFamily="34" charset="0"/>
+                <a:cs typeface="Arial" panose="020B0604020202020204" pitchFamily="34" charset="0"/>
+              </a:rPr>
+              <a:t>Amazon CloudWatch</a:t>
+            </a:r>
+          </a:p>
+        </p:txBody>
+      </p:sp>
+      <p:pic>
+        <p:nvPicPr>
+          <p:cNvPr id="41" name="Graphic 7">
+            <a:extLst>
+              <a:ext uri="{FF2B5EF4-FFF2-40B4-BE49-F238E27FC236}">
+                <a16:creationId xmlns:a16="http://schemas.microsoft.com/office/drawing/2014/main" id="{BFCE58B6-6D77-4DCA-8371-B327BB41E3C1}"/>
+              </a:ext>
+            </a:extLst>
+          </p:cNvPr>
+          <p:cNvPicPr>
+            <a:picLocks noChangeAspect="1" noChangeArrowheads="1"/>
+          </p:cNvPicPr>
+          <p:nvPr/>
+        </p:nvPicPr>
+        <p:blipFill>
+          <a:blip r:embed="rId18">
+            <a:extLst>
+              <a:ext uri="{28A0092B-C50C-407E-A947-70E740481C1C}">
+                <a14:useLocalDpi xmlns:a14="http://schemas.microsoft.com/office/drawing/2010/main" val="0"/>
+              </a:ext>
+            </a:extLst>
+          </a:blip>
+          <a:srcRect/>
+          <a:stretch>
+            <a:fillRect/>
+          </a:stretch>
+        </p:blipFill>
+        <p:spPr bwMode="auto">
+          <a:xfrm>
+            <a:off x="11253503" y="5058019"/>
+            <a:ext cx="762000" cy="762000"/>
+          </a:xfrm>
+          <a:prstGeom prst="rect">
+            <a:avLst/>
+          </a:prstGeom>
+          <a:noFill/>
+          <a:ln>
+            <a:noFill/>
+          </a:ln>
+          <a:extLst>
+            <a:ext uri="{909E8E84-426E-40DD-AFC4-6F175D3DCCD1}">
+              <a14:hiddenFill xmlns:a14="http://schemas.microsoft.com/office/drawing/2010/main">
+                <a:solidFill>
+                  <a:srgbClr val="FFFFFF"/>
+                </a:solidFill>
+              </a14:hiddenFill>
+            </a:ext>
+            <a:ext uri="{91240B29-F687-4F45-9708-019B960494DF}">
+              <a14:hiddenLine xmlns:a14="http://schemas.microsoft.com/office/drawing/2010/main" w="9525">
+                <a:solidFill>
+                  <a:srgbClr val="000000"/>
+                </a:solidFill>
+                <a:miter lim="800000"/>
+                <a:headEnd/>
+                <a:tailEnd/>
+              </a14:hiddenLine>
+            </a:ext>
+          </a:extLst>
+        </p:spPr>
+      </p:pic>
+      <p:sp>
+        <p:nvSpPr>
+          <p:cNvPr id="42" name="TextBox 9">
+            <a:extLst>
+              <a:ext uri="{FF2B5EF4-FFF2-40B4-BE49-F238E27FC236}">
+                <a16:creationId xmlns:a16="http://schemas.microsoft.com/office/drawing/2014/main" id="{0F8AFC3B-CB1C-4561-89F9-82ADC4E4AF19}"/>
+              </a:ext>
+            </a:extLst>
+          </p:cNvPr>
+          <p:cNvSpPr txBox="1">
+            <a:spLocks noChangeArrowheads="1"/>
+          </p:cNvSpPr>
+          <p:nvPr/>
+        </p:nvSpPr>
+        <p:spPr bwMode="auto">
+          <a:xfrm>
+            <a:off x="10770687" y="5822079"/>
+            <a:ext cx="1720502" cy="276999"/>
+          </a:xfrm>
+          <a:prstGeom prst="rect">
+            <a:avLst/>
+          </a:prstGeom>
+          <a:noFill/>
+          <a:ln>
+            <a:noFill/>
+          </a:ln>
+          <a:extLst>
+            <a:ext uri="{909E8E84-426E-40DD-AFC4-6F175D3DCCD1}">
+              <a14:hiddenFill xmlns:a14="http://schemas.microsoft.com/office/drawing/2010/main">
+                <a:solidFill>
+                  <a:srgbClr val="FFFFFF"/>
+                </a:solidFill>
+              </a14:hiddenFill>
+            </a:ext>
+            <a:ext uri="{91240B29-F687-4F45-9708-019B960494DF}">
+              <a14:hiddenLine xmlns:a14="http://schemas.microsoft.com/office/drawing/2010/main" w="9525">
+                <a:solidFill>
+                  <a:srgbClr val="000000"/>
+                </a:solidFill>
+                <a:miter lim="800000"/>
+                <a:headEnd/>
+                <a:tailEnd/>
+              </a14:hiddenLine>
+            </a:ext>
+          </a:extLst>
+        </p:spPr>
+        <p:txBody>
+          <a:bodyPr wrap="square">
+            <a:spAutoFit/>
+          </a:bodyPr>
+          <a:lstStyle>
+            <a:lvl1pPr>
+              <a:defRPr>
+                <a:solidFill>
+                  <a:schemeClr val="tx1"/>
+                </a:solidFill>
+                <a:latin typeface="Calibri" panose="020F0502020204030204" pitchFamily="34" charset="0"/>
+              </a:defRPr>
+            </a:lvl1pPr>
+            <a:lvl2pPr marL="742950" indent="-285750">
+              <a:defRPr>
+                <a:solidFill>
+                  <a:schemeClr val="tx1"/>
+                </a:solidFill>
+                <a:latin typeface="Calibri" panose="020F0502020204030204" pitchFamily="34" charset="0"/>
+              </a:defRPr>
+            </a:lvl2pPr>
+            <a:lvl3pPr marL="1143000" indent="-228600">
+              <a:defRPr>
+                <a:solidFill>
+                  <a:schemeClr val="tx1"/>
+                </a:solidFill>
+                <a:latin typeface="Calibri" panose="020F0502020204030204" pitchFamily="34" charset="0"/>
+              </a:defRPr>
+            </a:lvl3pPr>
+            <a:lvl4pPr marL="1600200" indent="-228600">
+              <a:defRPr>
+                <a:solidFill>
+                  <a:schemeClr val="tx1"/>
+                </a:solidFill>
+                <a:latin typeface="Calibri" panose="020F0502020204030204" pitchFamily="34" charset="0"/>
+              </a:defRPr>
+            </a:lvl4pPr>
+            <a:lvl5pPr marL="2057400" indent="-228600">
+              <a:defRPr>
+                <a:solidFill>
+                  <a:schemeClr val="tx1"/>
+                </a:solidFill>
+                <a:latin typeface="Calibri" panose="020F0502020204030204" pitchFamily="34" charset="0"/>
+              </a:defRPr>
+            </a:lvl5pPr>
+            <a:lvl6pPr marL="2514600" indent="-228600" eaLnBrk="0" fontAlgn="base" hangingPunct="0">
+              <a:spcBef>
+                <a:spcPct val="0"/>
+              </a:spcBef>
+              <a:spcAft>
+                <a:spcPct val="0"/>
+              </a:spcAft>
+              <a:defRPr>
+                <a:solidFill>
+                  <a:schemeClr val="tx1"/>
+                </a:solidFill>
+                <a:latin typeface="Calibri" panose="020F0502020204030204" pitchFamily="34" charset="0"/>
+              </a:defRPr>
+            </a:lvl6pPr>
+            <a:lvl7pPr marL="2971800" indent="-228600" eaLnBrk="0" fontAlgn="base" hangingPunct="0">
+              <a:spcBef>
+                <a:spcPct val="0"/>
+              </a:spcBef>
+              <a:spcAft>
+                <a:spcPct val="0"/>
+              </a:spcAft>
+              <a:defRPr>
+                <a:solidFill>
+                  <a:schemeClr val="tx1"/>
+                </a:solidFill>
+                <a:latin typeface="Calibri" panose="020F0502020204030204" pitchFamily="34" charset="0"/>
+              </a:defRPr>
+            </a:lvl7pPr>
+            <a:lvl8pPr marL="3429000" indent="-228600" eaLnBrk="0" fontAlgn="base" hangingPunct="0">
+              <a:spcBef>
+                <a:spcPct val="0"/>
+              </a:spcBef>
+              <a:spcAft>
+                <a:spcPct val="0"/>
+              </a:spcAft>
+              <a:defRPr>
+                <a:solidFill>
+                  <a:schemeClr val="tx1"/>
+                </a:solidFill>
+                <a:latin typeface="Calibri" panose="020F0502020204030204" pitchFamily="34" charset="0"/>
+              </a:defRPr>
+            </a:lvl8pPr>
+            <a:lvl9pPr marL="3886200" indent="-228600" eaLnBrk="0" fontAlgn="base" hangingPunct="0">
+              <a:spcBef>
+                <a:spcPct val="0"/>
+              </a:spcBef>
+              <a:spcAft>
+                <a:spcPct val="0"/>
+              </a:spcAft>
+              <a:defRPr>
+                <a:solidFill>
+                  <a:schemeClr val="tx1"/>
+                </a:solidFill>
+                <a:latin typeface="Calibri" panose="020F0502020204030204" pitchFamily="34" charset="0"/>
+              </a:defRPr>
+            </a:lvl9pPr>
+          </a:lstStyle>
+          <a:p>
+            <a:pPr algn="ctr" eaLnBrk="1" hangingPunct="1"/>
+            <a:r>
+              <a:rPr lang="en-US" altLang="en-US" sz="1200" dirty="0">
+                <a:latin typeface="Arial" panose="020B0604020202020204" pitchFamily="34" charset="0"/>
+                <a:ea typeface="Amazon Ember" panose="020B0603020204020204" pitchFamily="34" charset="0"/>
+                <a:cs typeface="Arial" panose="020B0604020202020204" pitchFamily="34" charset="0"/>
+              </a:rPr>
+              <a:t>AWS KMS</a:t>
             </a:r>
           </a:p>
         </p:txBody>
